--- a/ppt 16-9/0749.微声盼望.pptx
+++ b/ppt 16-9/0749.微声盼望.pptx
@@ -129,7 +129,7 @@
           <p:cNvPr id="2" name="标题 1">
             <a:extLst>
               <a:ext uri="{FF2B5EF4-FFF2-40B4-BE49-F238E27FC236}">
-                <a16:creationId xmlns:a16="http://schemas.microsoft.com/office/drawing/2014/main" id="{D8D7982B-208A-3C6C-767C-6986FEE940D7}"/>
+                <a16:creationId xmlns:a16="http://schemas.microsoft.com/office/drawing/2014/main" id="{DE6FB551-DEB7-B530-D04A-24F6763D0C08}"/>
               </a:ext>
             </a:extLst>
           </p:cNvPr>
@@ -166,7 +166,7 @@
           <p:cNvPr id="3" name="副标题 2">
             <a:extLst>
               <a:ext uri="{FF2B5EF4-FFF2-40B4-BE49-F238E27FC236}">
-                <a16:creationId xmlns:a16="http://schemas.microsoft.com/office/drawing/2014/main" id="{6EA39E2F-700D-D005-26A8-183DDE00E516}"/>
+                <a16:creationId xmlns:a16="http://schemas.microsoft.com/office/drawing/2014/main" id="{ABEF8728-459D-604F-B502-081377047D81}"/>
               </a:ext>
             </a:extLst>
           </p:cNvPr>
@@ -236,7 +236,7 @@
           <p:cNvPr id="4" name="日期占位符 3">
             <a:extLst>
               <a:ext uri="{FF2B5EF4-FFF2-40B4-BE49-F238E27FC236}">
-                <a16:creationId xmlns:a16="http://schemas.microsoft.com/office/drawing/2014/main" id="{5F1D06D2-3097-6A86-1F5D-E3AFC68E4028}"/>
+                <a16:creationId xmlns:a16="http://schemas.microsoft.com/office/drawing/2014/main" id="{E5818AC3-5C88-32AB-27AB-9FA0A8E673D5}"/>
               </a:ext>
             </a:extLst>
           </p:cNvPr>
@@ -252,7 +252,7 @@
           <a:bodyPr/>
           <a:lstStyle/>
           <a:p>
-            <a:fld id="{6B23B048-8852-4881-8C92-E08879ED63D3}" type="datetimeFigureOut">
+            <a:fld id="{EDA9EE1A-FB1E-43D2-96D6-E64FBEC833CB}" type="datetimeFigureOut">
               <a:rPr lang="zh-CN" altLang="en-US" smtClean="0"/>
               <a:t>2024/3/10</a:t>
             </a:fld>
@@ -265,7 +265,7 @@
           <p:cNvPr id="5" name="页脚占位符 4">
             <a:extLst>
               <a:ext uri="{FF2B5EF4-FFF2-40B4-BE49-F238E27FC236}">
-                <a16:creationId xmlns:a16="http://schemas.microsoft.com/office/drawing/2014/main" id="{273D8B78-2C55-6D61-77CF-8C240C56C770}"/>
+                <a16:creationId xmlns:a16="http://schemas.microsoft.com/office/drawing/2014/main" id="{FC21BEC2-4138-1E93-FC27-73B9D3C9CE43}"/>
               </a:ext>
             </a:extLst>
           </p:cNvPr>
@@ -290,7 +290,7 @@
           <p:cNvPr id="6" name="灯片编号占位符 5">
             <a:extLst>
               <a:ext uri="{FF2B5EF4-FFF2-40B4-BE49-F238E27FC236}">
-                <a16:creationId xmlns:a16="http://schemas.microsoft.com/office/drawing/2014/main" id="{E035E583-EAC3-862A-342A-D3D3CA240D42}"/>
+                <a16:creationId xmlns:a16="http://schemas.microsoft.com/office/drawing/2014/main" id="{7C9E78CD-B26F-88E1-E392-5A2E57A686D3}"/>
               </a:ext>
             </a:extLst>
           </p:cNvPr>
@@ -306,7 +306,7 @@
           <a:bodyPr/>
           <a:lstStyle/>
           <a:p>
-            <a:fld id="{87BBF662-CDE1-4E73-B4B2-C5E1E206011C}" type="slidenum">
+            <a:fld id="{0290D56D-67B9-4ADD-A5AE-305514E054A3}" type="slidenum">
               <a:rPr lang="zh-CN" altLang="en-US" smtClean="0"/>
               <a:t>‹#›</a:t>
             </a:fld>
@@ -317,7 +317,7 @@
     </p:spTree>
     <p:extLst>
       <p:ext uri="{BB962C8B-B14F-4D97-AF65-F5344CB8AC3E}">
-        <p14:creationId xmlns:p14="http://schemas.microsoft.com/office/powerpoint/2010/main" val="1383590897"/>
+        <p14:creationId xmlns:p14="http://schemas.microsoft.com/office/powerpoint/2010/main" val="4055354338"/>
       </p:ext>
     </p:extLst>
   </p:cSld>
@@ -349,7 +349,7 @@
           <p:cNvPr id="2" name="标题 1">
             <a:extLst>
               <a:ext uri="{FF2B5EF4-FFF2-40B4-BE49-F238E27FC236}">
-                <a16:creationId xmlns:a16="http://schemas.microsoft.com/office/drawing/2014/main" id="{F3313FD1-6040-9B83-A4B4-7EC2F5587677}"/>
+                <a16:creationId xmlns:a16="http://schemas.microsoft.com/office/drawing/2014/main" id="{5BDB3811-D5AC-3C00-D860-3BA3E3099F04}"/>
               </a:ext>
             </a:extLst>
           </p:cNvPr>
@@ -377,7 +377,7 @@
           <p:cNvPr id="3" name="竖排文字占位符 2">
             <a:extLst>
               <a:ext uri="{FF2B5EF4-FFF2-40B4-BE49-F238E27FC236}">
-                <a16:creationId xmlns:a16="http://schemas.microsoft.com/office/drawing/2014/main" id="{893EC24C-A56B-34EA-8BD2-7C5026EC2798}"/>
+                <a16:creationId xmlns:a16="http://schemas.microsoft.com/office/drawing/2014/main" id="{22AC59FE-EF83-62D2-0F38-2C0C6FB305A3}"/>
               </a:ext>
             </a:extLst>
           </p:cNvPr>
@@ -434,7 +434,7 @@
           <p:cNvPr id="4" name="日期占位符 3">
             <a:extLst>
               <a:ext uri="{FF2B5EF4-FFF2-40B4-BE49-F238E27FC236}">
-                <a16:creationId xmlns:a16="http://schemas.microsoft.com/office/drawing/2014/main" id="{04C6EAD1-E6E3-7E50-4DD2-982A163473CA}"/>
+                <a16:creationId xmlns:a16="http://schemas.microsoft.com/office/drawing/2014/main" id="{EF4E1CEA-8208-D8EA-0DA6-C74E921BEC7C}"/>
               </a:ext>
             </a:extLst>
           </p:cNvPr>
@@ -450,7 +450,7 @@
           <a:bodyPr/>
           <a:lstStyle/>
           <a:p>
-            <a:fld id="{6B23B048-8852-4881-8C92-E08879ED63D3}" type="datetimeFigureOut">
+            <a:fld id="{EDA9EE1A-FB1E-43D2-96D6-E64FBEC833CB}" type="datetimeFigureOut">
               <a:rPr lang="zh-CN" altLang="en-US" smtClean="0"/>
               <a:t>2024/3/10</a:t>
             </a:fld>
@@ -463,7 +463,7 @@
           <p:cNvPr id="5" name="页脚占位符 4">
             <a:extLst>
               <a:ext uri="{FF2B5EF4-FFF2-40B4-BE49-F238E27FC236}">
-                <a16:creationId xmlns:a16="http://schemas.microsoft.com/office/drawing/2014/main" id="{A4020EE8-51E2-5B3B-16E0-1F5F564A5E65}"/>
+                <a16:creationId xmlns:a16="http://schemas.microsoft.com/office/drawing/2014/main" id="{8AF2319D-D875-21D2-0E4F-F3164288DAAB}"/>
               </a:ext>
             </a:extLst>
           </p:cNvPr>
@@ -488,7 +488,7 @@
           <p:cNvPr id="6" name="灯片编号占位符 5">
             <a:extLst>
               <a:ext uri="{FF2B5EF4-FFF2-40B4-BE49-F238E27FC236}">
-                <a16:creationId xmlns:a16="http://schemas.microsoft.com/office/drawing/2014/main" id="{A060A70D-E856-C8DA-8C27-30F31BD5B409}"/>
+                <a16:creationId xmlns:a16="http://schemas.microsoft.com/office/drawing/2014/main" id="{173F85BD-BE3F-0BA4-AA14-3B10609E8A94}"/>
               </a:ext>
             </a:extLst>
           </p:cNvPr>
@@ -504,7 +504,7 @@
           <a:bodyPr/>
           <a:lstStyle/>
           <a:p>
-            <a:fld id="{87BBF662-CDE1-4E73-B4B2-C5E1E206011C}" type="slidenum">
+            <a:fld id="{0290D56D-67B9-4ADD-A5AE-305514E054A3}" type="slidenum">
               <a:rPr lang="zh-CN" altLang="en-US" smtClean="0"/>
               <a:t>‹#›</a:t>
             </a:fld>
@@ -515,7 +515,7 @@
     </p:spTree>
     <p:extLst>
       <p:ext uri="{BB962C8B-B14F-4D97-AF65-F5344CB8AC3E}">
-        <p14:creationId xmlns:p14="http://schemas.microsoft.com/office/powerpoint/2010/main" val="140238031"/>
+        <p14:creationId xmlns:p14="http://schemas.microsoft.com/office/powerpoint/2010/main" val="1937805016"/>
       </p:ext>
     </p:extLst>
   </p:cSld>
@@ -547,7 +547,7 @@
           <p:cNvPr id="2" name="竖排标题 1">
             <a:extLst>
               <a:ext uri="{FF2B5EF4-FFF2-40B4-BE49-F238E27FC236}">
-                <a16:creationId xmlns:a16="http://schemas.microsoft.com/office/drawing/2014/main" id="{DE086FB5-597D-7D34-9848-D907429D9AB7}"/>
+                <a16:creationId xmlns:a16="http://schemas.microsoft.com/office/drawing/2014/main" id="{0C265505-08B8-B79F-DB90-D0B008947205}"/>
               </a:ext>
             </a:extLst>
           </p:cNvPr>
@@ -580,7 +580,7 @@
           <p:cNvPr id="3" name="竖排文字占位符 2">
             <a:extLst>
               <a:ext uri="{FF2B5EF4-FFF2-40B4-BE49-F238E27FC236}">
-                <a16:creationId xmlns:a16="http://schemas.microsoft.com/office/drawing/2014/main" id="{3A210E33-2EC5-98D8-6CFB-6DC218798D2D}"/>
+                <a16:creationId xmlns:a16="http://schemas.microsoft.com/office/drawing/2014/main" id="{1E7690AF-7BBD-F357-2770-1022499C9E8C}"/>
               </a:ext>
             </a:extLst>
           </p:cNvPr>
@@ -642,7 +642,7 @@
           <p:cNvPr id="4" name="日期占位符 3">
             <a:extLst>
               <a:ext uri="{FF2B5EF4-FFF2-40B4-BE49-F238E27FC236}">
-                <a16:creationId xmlns:a16="http://schemas.microsoft.com/office/drawing/2014/main" id="{EE40ABF2-1D8D-1C22-8BCD-01E9E304C82B}"/>
+                <a16:creationId xmlns:a16="http://schemas.microsoft.com/office/drawing/2014/main" id="{0EA33670-9BEB-5AA0-2F47-E3AD7BD949EA}"/>
               </a:ext>
             </a:extLst>
           </p:cNvPr>
@@ -658,7 +658,7 @@
           <a:bodyPr/>
           <a:lstStyle/>
           <a:p>
-            <a:fld id="{6B23B048-8852-4881-8C92-E08879ED63D3}" type="datetimeFigureOut">
+            <a:fld id="{EDA9EE1A-FB1E-43D2-96D6-E64FBEC833CB}" type="datetimeFigureOut">
               <a:rPr lang="zh-CN" altLang="en-US" smtClean="0"/>
               <a:t>2024/3/10</a:t>
             </a:fld>
@@ -671,7 +671,7 @@
           <p:cNvPr id="5" name="页脚占位符 4">
             <a:extLst>
               <a:ext uri="{FF2B5EF4-FFF2-40B4-BE49-F238E27FC236}">
-                <a16:creationId xmlns:a16="http://schemas.microsoft.com/office/drawing/2014/main" id="{CC83BCB5-A955-2CAA-9786-E6524EC4ACAF}"/>
+                <a16:creationId xmlns:a16="http://schemas.microsoft.com/office/drawing/2014/main" id="{A8453A80-53F4-0F11-3EE1-10E24C8B7A41}"/>
               </a:ext>
             </a:extLst>
           </p:cNvPr>
@@ -696,7 +696,7 @@
           <p:cNvPr id="6" name="灯片编号占位符 5">
             <a:extLst>
               <a:ext uri="{FF2B5EF4-FFF2-40B4-BE49-F238E27FC236}">
-                <a16:creationId xmlns:a16="http://schemas.microsoft.com/office/drawing/2014/main" id="{CECB694F-8E5C-A24C-FED3-4A1D8A5BB42C}"/>
+                <a16:creationId xmlns:a16="http://schemas.microsoft.com/office/drawing/2014/main" id="{FBF50341-A9D0-DE47-4837-FB10BF6683F9}"/>
               </a:ext>
             </a:extLst>
           </p:cNvPr>
@@ -712,7 +712,7 @@
           <a:bodyPr/>
           <a:lstStyle/>
           <a:p>
-            <a:fld id="{87BBF662-CDE1-4E73-B4B2-C5E1E206011C}" type="slidenum">
+            <a:fld id="{0290D56D-67B9-4ADD-A5AE-305514E054A3}" type="slidenum">
               <a:rPr lang="zh-CN" altLang="en-US" smtClean="0"/>
               <a:t>‹#›</a:t>
             </a:fld>
@@ -723,7 +723,7 @@
     </p:spTree>
     <p:extLst>
       <p:ext uri="{BB962C8B-B14F-4D97-AF65-F5344CB8AC3E}">
-        <p14:creationId xmlns:p14="http://schemas.microsoft.com/office/powerpoint/2010/main" val="2376874603"/>
+        <p14:creationId xmlns:p14="http://schemas.microsoft.com/office/powerpoint/2010/main" val="168983930"/>
       </p:ext>
     </p:extLst>
   </p:cSld>
@@ -755,7 +755,7 @@
           <p:cNvPr id="2" name="标题 1">
             <a:extLst>
               <a:ext uri="{FF2B5EF4-FFF2-40B4-BE49-F238E27FC236}">
-                <a16:creationId xmlns:a16="http://schemas.microsoft.com/office/drawing/2014/main" id="{D89AD875-A28F-2FDD-9B33-373A694E778A}"/>
+                <a16:creationId xmlns:a16="http://schemas.microsoft.com/office/drawing/2014/main" id="{AC708F38-B104-AFBE-DA2A-81E6E17E7C4B}"/>
               </a:ext>
             </a:extLst>
           </p:cNvPr>
@@ -783,7 +783,7 @@
           <p:cNvPr id="3" name="内容占位符 2">
             <a:extLst>
               <a:ext uri="{FF2B5EF4-FFF2-40B4-BE49-F238E27FC236}">
-                <a16:creationId xmlns:a16="http://schemas.microsoft.com/office/drawing/2014/main" id="{2A421068-804C-AA04-780C-29A5837169DE}"/>
+                <a16:creationId xmlns:a16="http://schemas.microsoft.com/office/drawing/2014/main" id="{8B672F82-9925-1176-D15B-0CF8914E1027}"/>
               </a:ext>
             </a:extLst>
           </p:cNvPr>
@@ -840,7 +840,7 @@
           <p:cNvPr id="4" name="日期占位符 3">
             <a:extLst>
               <a:ext uri="{FF2B5EF4-FFF2-40B4-BE49-F238E27FC236}">
-                <a16:creationId xmlns:a16="http://schemas.microsoft.com/office/drawing/2014/main" id="{2AA5555D-2ECF-3D88-DD63-44FA995A882F}"/>
+                <a16:creationId xmlns:a16="http://schemas.microsoft.com/office/drawing/2014/main" id="{1A783C54-61F6-2725-5202-1619F4FA41B3}"/>
               </a:ext>
             </a:extLst>
           </p:cNvPr>
@@ -856,7 +856,7 @@
           <a:bodyPr/>
           <a:lstStyle/>
           <a:p>
-            <a:fld id="{6B23B048-8852-4881-8C92-E08879ED63D3}" type="datetimeFigureOut">
+            <a:fld id="{EDA9EE1A-FB1E-43D2-96D6-E64FBEC833CB}" type="datetimeFigureOut">
               <a:rPr lang="zh-CN" altLang="en-US" smtClean="0"/>
               <a:t>2024/3/10</a:t>
             </a:fld>
@@ -869,7 +869,7 @@
           <p:cNvPr id="5" name="页脚占位符 4">
             <a:extLst>
               <a:ext uri="{FF2B5EF4-FFF2-40B4-BE49-F238E27FC236}">
-                <a16:creationId xmlns:a16="http://schemas.microsoft.com/office/drawing/2014/main" id="{D16CC177-4D11-90F0-A065-933C41E41778}"/>
+                <a16:creationId xmlns:a16="http://schemas.microsoft.com/office/drawing/2014/main" id="{16608F8D-6F84-7368-4EEC-17D9EEF46D3B}"/>
               </a:ext>
             </a:extLst>
           </p:cNvPr>
@@ -894,7 +894,7 @@
           <p:cNvPr id="6" name="灯片编号占位符 5">
             <a:extLst>
               <a:ext uri="{FF2B5EF4-FFF2-40B4-BE49-F238E27FC236}">
-                <a16:creationId xmlns:a16="http://schemas.microsoft.com/office/drawing/2014/main" id="{FEC518B1-F279-581C-CFD8-79949F0F44C2}"/>
+                <a16:creationId xmlns:a16="http://schemas.microsoft.com/office/drawing/2014/main" id="{8CEE189F-31E6-2CEC-5006-36B69976AAA1}"/>
               </a:ext>
             </a:extLst>
           </p:cNvPr>
@@ -910,7 +910,7 @@
           <a:bodyPr/>
           <a:lstStyle/>
           <a:p>
-            <a:fld id="{87BBF662-CDE1-4E73-B4B2-C5E1E206011C}" type="slidenum">
+            <a:fld id="{0290D56D-67B9-4ADD-A5AE-305514E054A3}" type="slidenum">
               <a:rPr lang="zh-CN" altLang="en-US" smtClean="0"/>
               <a:t>‹#›</a:t>
             </a:fld>
@@ -921,7 +921,7 @@
     </p:spTree>
     <p:extLst>
       <p:ext uri="{BB962C8B-B14F-4D97-AF65-F5344CB8AC3E}">
-        <p14:creationId xmlns:p14="http://schemas.microsoft.com/office/powerpoint/2010/main" val="3544955992"/>
+        <p14:creationId xmlns:p14="http://schemas.microsoft.com/office/powerpoint/2010/main" val="1952848522"/>
       </p:ext>
     </p:extLst>
   </p:cSld>
@@ -953,7 +953,7 @@
           <p:cNvPr id="2" name="标题 1">
             <a:extLst>
               <a:ext uri="{FF2B5EF4-FFF2-40B4-BE49-F238E27FC236}">
-                <a16:creationId xmlns:a16="http://schemas.microsoft.com/office/drawing/2014/main" id="{3EA74507-6A7D-59AE-516D-6678666F332E}"/>
+                <a16:creationId xmlns:a16="http://schemas.microsoft.com/office/drawing/2014/main" id="{237158AB-82E3-123C-4064-653FB50C45A4}"/>
               </a:ext>
             </a:extLst>
           </p:cNvPr>
@@ -990,7 +990,7 @@
           <p:cNvPr id="3" name="文本占位符 2">
             <a:extLst>
               <a:ext uri="{FF2B5EF4-FFF2-40B4-BE49-F238E27FC236}">
-                <a16:creationId xmlns:a16="http://schemas.microsoft.com/office/drawing/2014/main" id="{AD15A208-81A4-03FD-18A2-C4A6FBBD93A0}"/>
+                <a16:creationId xmlns:a16="http://schemas.microsoft.com/office/drawing/2014/main" id="{B90D756E-08E8-5998-B711-981FC5C34AE0}"/>
               </a:ext>
             </a:extLst>
           </p:cNvPr>
@@ -1115,7 +1115,7 @@
           <p:cNvPr id="4" name="日期占位符 3">
             <a:extLst>
               <a:ext uri="{FF2B5EF4-FFF2-40B4-BE49-F238E27FC236}">
-                <a16:creationId xmlns:a16="http://schemas.microsoft.com/office/drawing/2014/main" id="{DEF21BC2-AD0E-2181-8D51-9C8F237883BD}"/>
+                <a16:creationId xmlns:a16="http://schemas.microsoft.com/office/drawing/2014/main" id="{B90E36C6-D91C-4E27-B66B-91B846B196DD}"/>
               </a:ext>
             </a:extLst>
           </p:cNvPr>
@@ -1131,7 +1131,7 @@
           <a:bodyPr/>
           <a:lstStyle/>
           <a:p>
-            <a:fld id="{6B23B048-8852-4881-8C92-E08879ED63D3}" type="datetimeFigureOut">
+            <a:fld id="{EDA9EE1A-FB1E-43D2-96D6-E64FBEC833CB}" type="datetimeFigureOut">
               <a:rPr lang="zh-CN" altLang="en-US" smtClean="0"/>
               <a:t>2024/3/10</a:t>
             </a:fld>
@@ -1144,7 +1144,7 @@
           <p:cNvPr id="5" name="页脚占位符 4">
             <a:extLst>
               <a:ext uri="{FF2B5EF4-FFF2-40B4-BE49-F238E27FC236}">
-                <a16:creationId xmlns:a16="http://schemas.microsoft.com/office/drawing/2014/main" id="{2AC9F897-B8AF-ED94-B03D-AA938AA6B5D7}"/>
+                <a16:creationId xmlns:a16="http://schemas.microsoft.com/office/drawing/2014/main" id="{9C25CB49-CE3D-A847-01BF-9AC24B380906}"/>
               </a:ext>
             </a:extLst>
           </p:cNvPr>
@@ -1169,7 +1169,7 @@
           <p:cNvPr id="6" name="灯片编号占位符 5">
             <a:extLst>
               <a:ext uri="{FF2B5EF4-FFF2-40B4-BE49-F238E27FC236}">
-                <a16:creationId xmlns:a16="http://schemas.microsoft.com/office/drawing/2014/main" id="{B1A3EED4-9E0E-06A1-3AB9-7AD7759C4986}"/>
+                <a16:creationId xmlns:a16="http://schemas.microsoft.com/office/drawing/2014/main" id="{8046977D-C6EE-7602-4900-A8F5EF0413FA}"/>
               </a:ext>
             </a:extLst>
           </p:cNvPr>
@@ -1185,7 +1185,7 @@
           <a:bodyPr/>
           <a:lstStyle/>
           <a:p>
-            <a:fld id="{87BBF662-CDE1-4E73-B4B2-C5E1E206011C}" type="slidenum">
+            <a:fld id="{0290D56D-67B9-4ADD-A5AE-305514E054A3}" type="slidenum">
               <a:rPr lang="zh-CN" altLang="en-US" smtClean="0"/>
               <a:t>‹#›</a:t>
             </a:fld>
@@ -1196,7 +1196,7 @@
     </p:spTree>
     <p:extLst>
       <p:ext uri="{BB962C8B-B14F-4D97-AF65-F5344CB8AC3E}">
-        <p14:creationId xmlns:p14="http://schemas.microsoft.com/office/powerpoint/2010/main" val="695033844"/>
+        <p14:creationId xmlns:p14="http://schemas.microsoft.com/office/powerpoint/2010/main" val="99435053"/>
       </p:ext>
     </p:extLst>
   </p:cSld>
@@ -1228,7 +1228,7 @@
           <p:cNvPr id="2" name="标题 1">
             <a:extLst>
               <a:ext uri="{FF2B5EF4-FFF2-40B4-BE49-F238E27FC236}">
-                <a16:creationId xmlns:a16="http://schemas.microsoft.com/office/drawing/2014/main" id="{CEDA3932-6B1F-4907-A94C-5FF3B6022E81}"/>
+                <a16:creationId xmlns:a16="http://schemas.microsoft.com/office/drawing/2014/main" id="{696AF91C-B814-0CBE-7AB8-CDD172AE423F}"/>
               </a:ext>
             </a:extLst>
           </p:cNvPr>
@@ -1256,7 +1256,7 @@
           <p:cNvPr id="3" name="内容占位符 2">
             <a:extLst>
               <a:ext uri="{FF2B5EF4-FFF2-40B4-BE49-F238E27FC236}">
-                <a16:creationId xmlns:a16="http://schemas.microsoft.com/office/drawing/2014/main" id="{87290C6F-E184-BAFF-C986-C4635302C552}"/>
+                <a16:creationId xmlns:a16="http://schemas.microsoft.com/office/drawing/2014/main" id="{AE098DDF-ACAC-03E2-BF4D-E8EE85D714BA}"/>
               </a:ext>
             </a:extLst>
           </p:cNvPr>
@@ -1318,7 +1318,7 @@
           <p:cNvPr id="4" name="内容占位符 3">
             <a:extLst>
               <a:ext uri="{FF2B5EF4-FFF2-40B4-BE49-F238E27FC236}">
-                <a16:creationId xmlns:a16="http://schemas.microsoft.com/office/drawing/2014/main" id="{84BD9B51-15A8-85B7-1DB5-F4F190D596AF}"/>
+                <a16:creationId xmlns:a16="http://schemas.microsoft.com/office/drawing/2014/main" id="{A6E67AA2-C454-6335-1FB0-460721F0C7E8}"/>
               </a:ext>
             </a:extLst>
           </p:cNvPr>
@@ -1380,7 +1380,7 @@
           <p:cNvPr id="5" name="日期占位符 4">
             <a:extLst>
               <a:ext uri="{FF2B5EF4-FFF2-40B4-BE49-F238E27FC236}">
-                <a16:creationId xmlns:a16="http://schemas.microsoft.com/office/drawing/2014/main" id="{F839B0E4-C990-757C-676D-53C33A76C65C}"/>
+                <a16:creationId xmlns:a16="http://schemas.microsoft.com/office/drawing/2014/main" id="{43320950-97EF-9A90-2D8E-5C47AB5EB35C}"/>
               </a:ext>
             </a:extLst>
           </p:cNvPr>
@@ -1396,7 +1396,7 @@
           <a:bodyPr/>
           <a:lstStyle/>
           <a:p>
-            <a:fld id="{6B23B048-8852-4881-8C92-E08879ED63D3}" type="datetimeFigureOut">
+            <a:fld id="{EDA9EE1A-FB1E-43D2-96D6-E64FBEC833CB}" type="datetimeFigureOut">
               <a:rPr lang="zh-CN" altLang="en-US" smtClean="0"/>
               <a:t>2024/3/10</a:t>
             </a:fld>
@@ -1409,7 +1409,7 @@
           <p:cNvPr id="6" name="页脚占位符 5">
             <a:extLst>
               <a:ext uri="{FF2B5EF4-FFF2-40B4-BE49-F238E27FC236}">
-                <a16:creationId xmlns:a16="http://schemas.microsoft.com/office/drawing/2014/main" id="{9EC62911-5030-F08C-FFBC-9B25C1C5C5CC}"/>
+                <a16:creationId xmlns:a16="http://schemas.microsoft.com/office/drawing/2014/main" id="{48038DF8-D64C-5BD7-4D0D-C69C26CA477C}"/>
               </a:ext>
             </a:extLst>
           </p:cNvPr>
@@ -1434,7 +1434,7 @@
           <p:cNvPr id="7" name="灯片编号占位符 6">
             <a:extLst>
               <a:ext uri="{FF2B5EF4-FFF2-40B4-BE49-F238E27FC236}">
-                <a16:creationId xmlns:a16="http://schemas.microsoft.com/office/drawing/2014/main" id="{A9FB67DC-8944-9816-151B-67F460F699C7}"/>
+                <a16:creationId xmlns:a16="http://schemas.microsoft.com/office/drawing/2014/main" id="{70282317-D98A-A940-96D7-B0DCEC786BC2}"/>
               </a:ext>
             </a:extLst>
           </p:cNvPr>
@@ -1450,7 +1450,7 @@
           <a:bodyPr/>
           <a:lstStyle/>
           <a:p>
-            <a:fld id="{87BBF662-CDE1-4E73-B4B2-C5E1E206011C}" type="slidenum">
+            <a:fld id="{0290D56D-67B9-4ADD-A5AE-305514E054A3}" type="slidenum">
               <a:rPr lang="zh-CN" altLang="en-US" smtClean="0"/>
               <a:t>‹#›</a:t>
             </a:fld>
@@ -1461,7 +1461,7 @@
     </p:spTree>
     <p:extLst>
       <p:ext uri="{BB962C8B-B14F-4D97-AF65-F5344CB8AC3E}">
-        <p14:creationId xmlns:p14="http://schemas.microsoft.com/office/powerpoint/2010/main" val="878118684"/>
+        <p14:creationId xmlns:p14="http://schemas.microsoft.com/office/powerpoint/2010/main" val="2251847166"/>
       </p:ext>
     </p:extLst>
   </p:cSld>
@@ -1493,7 +1493,7 @@
           <p:cNvPr id="2" name="标题 1">
             <a:extLst>
               <a:ext uri="{FF2B5EF4-FFF2-40B4-BE49-F238E27FC236}">
-                <a16:creationId xmlns:a16="http://schemas.microsoft.com/office/drawing/2014/main" id="{42C4EF64-A3BF-B5C0-F926-BADD1FF14D7B}"/>
+                <a16:creationId xmlns:a16="http://schemas.microsoft.com/office/drawing/2014/main" id="{C55851AF-FF27-2685-70A9-CAE3FD79ED63}"/>
               </a:ext>
             </a:extLst>
           </p:cNvPr>
@@ -1526,7 +1526,7 @@
           <p:cNvPr id="3" name="文本占位符 2">
             <a:extLst>
               <a:ext uri="{FF2B5EF4-FFF2-40B4-BE49-F238E27FC236}">
-                <a16:creationId xmlns:a16="http://schemas.microsoft.com/office/drawing/2014/main" id="{BF87A787-594C-B857-0829-70DDCC51CDC9}"/>
+                <a16:creationId xmlns:a16="http://schemas.microsoft.com/office/drawing/2014/main" id="{25155B7A-4D13-1674-1E85-E65E5FA62026}"/>
               </a:ext>
             </a:extLst>
           </p:cNvPr>
@@ -1597,7 +1597,7 @@
           <p:cNvPr id="4" name="内容占位符 3">
             <a:extLst>
               <a:ext uri="{FF2B5EF4-FFF2-40B4-BE49-F238E27FC236}">
-                <a16:creationId xmlns:a16="http://schemas.microsoft.com/office/drawing/2014/main" id="{B8538DAC-7091-1314-2051-A5582C0E26C4}"/>
+                <a16:creationId xmlns:a16="http://schemas.microsoft.com/office/drawing/2014/main" id="{B446CEF3-EFAA-32E6-6571-B64361F6D4AE}"/>
               </a:ext>
             </a:extLst>
           </p:cNvPr>
@@ -1659,7 +1659,7 @@
           <p:cNvPr id="5" name="文本占位符 4">
             <a:extLst>
               <a:ext uri="{FF2B5EF4-FFF2-40B4-BE49-F238E27FC236}">
-                <a16:creationId xmlns:a16="http://schemas.microsoft.com/office/drawing/2014/main" id="{D0EF6231-AC49-D441-5000-07C74D1BC32F}"/>
+                <a16:creationId xmlns:a16="http://schemas.microsoft.com/office/drawing/2014/main" id="{DBC9AED8-A950-694A-6B3A-EA397830B0FD}"/>
               </a:ext>
             </a:extLst>
           </p:cNvPr>
@@ -1730,7 +1730,7 @@
           <p:cNvPr id="6" name="内容占位符 5">
             <a:extLst>
               <a:ext uri="{FF2B5EF4-FFF2-40B4-BE49-F238E27FC236}">
-                <a16:creationId xmlns:a16="http://schemas.microsoft.com/office/drawing/2014/main" id="{B67666E3-D1BB-847D-E52C-4D63034EDF34}"/>
+                <a16:creationId xmlns:a16="http://schemas.microsoft.com/office/drawing/2014/main" id="{98BAC533-5789-D01B-E84C-3D19BF5C3B23}"/>
               </a:ext>
             </a:extLst>
           </p:cNvPr>
@@ -1792,7 +1792,7 @@
           <p:cNvPr id="7" name="日期占位符 6">
             <a:extLst>
               <a:ext uri="{FF2B5EF4-FFF2-40B4-BE49-F238E27FC236}">
-                <a16:creationId xmlns:a16="http://schemas.microsoft.com/office/drawing/2014/main" id="{0288C32D-FE29-E9DF-2696-E77ECB536730}"/>
+                <a16:creationId xmlns:a16="http://schemas.microsoft.com/office/drawing/2014/main" id="{45C08E58-9BBA-D8FC-FF84-F3BC34D05208}"/>
               </a:ext>
             </a:extLst>
           </p:cNvPr>
@@ -1808,7 +1808,7 @@
           <a:bodyPr/>
           <a:lstStyle/>
           <a:p>
-            <a:fld id="{6B23B048-8852-4881-8C92-E08879ED63D3}" type="datetimeFigureOut">
+            <a:fld id="{EDA9EE1A-FB1E-43D2-96D6-E64FBEC833CB}" type="datetimeFigureOut">
               <a:rPr lang="zh-CN" altLang="en-US" smtClean="0"/>
               <a:t>2024/3/10</a:t>
             </a:fld>
@@ -1821,7 +1821,7 @@
           <p:cNvPr id="8" name="页脚占位符 7">
             <a:extLst>
               <a:ext uri="{FF2B5EF4-FFF2-40B4-BE49-F238E27FC236}">
-                <a16:creationId xmlns:a16="http://schemas.microsoft.com/office/drawing/2014/main" id="{26AE86A7-9344-A103-688D-A48F7FD8EF01}"/>
+                <a16:creationId xmlns:a16="http://schemas.microsoft.com/office/drawing/2014/main" id="{167B144E-83B4-9FA2-7454-8B7C821D752E}"/>
               </a:ext>
             </a:extLst>
           </p:cNvPr>
@@ -1846,7 +1846,7 @@
           <p:cNvPr id="9" name="灯片编号占位符 8">
             <a:extLst>
               <a:ext uri="{FF2B5EF4-FFF2-40B4-BE49-F238E27FC236}">
-                <a16:creationId xmlns:a16="http://schemas.microsoft.com/office/drawing/2014/main" id="{8C858ECF-80B5-7D06-9C5B-6C459928784B}"/>
+                <a16:creationId xmlns:a16="http://schemas.microsoft.com/office/drawing/2014/main" id="{5AE60178-FFE4-C8F1-D7D6-9EB1EB670905}"/>
               </a:ext>
             </a:extLst>
           </p:cNvPr>
@@ -1862,7 +1862,7 @@
           <a:bodyPr/>
           <a:lstStyle/>
           <a:p>
-            <a:fld id="{87BBF662-CDE1-4E73-B4B2-C5E1E206011C}" type="slidenum">
+            <a:fld id="{0290D56D-67B9-4ADD-A5AE-305514E054A3}" type="slidenum">
               <a:rPr lang="zh-CN" altLang="en-US" smtClean="0"/>
               <a:t>‹#›</a:t>
             </a:fld>
@@ -1873,7 +1873,7 @@
     </p:spTree>
     <p:extLst>
       <p:ext uri="{BB962C8B-B14F-4D97-AF65-F5344CB8AC3E}">
-        <p14:creationId xmlns:p14="http://schemas.microsoft.com/office/powerpoint/2010/main" val="3334923610"/>
+        <p14:creationId xmlns:p14="http://schemas.microsoft.com/office/powerpoint/2010/main" val="3760874811"/>
       </p:ext>
     </p:extLst>
   </p:cSld>
@@ -1905,7 +1905,7 @@
           <p:cNvPr id="2" name="标题 1">
             <a:extLst>
               <a:ext uri="{FF2B5EF4-FFF2-40B4-BE49-F238E27FC236}">
-                <a16:creationId xmlns:a16="http://schemas.microsoft.com/office/drawing/2014/main" id="{20EC2EEA-1795-C5E3-9F05-883E4723C653}"/>
+                <a16:creationId xmlns:a16="http://schemas.microsoft.com/office/drawing/2014/main" id="{42394BFE-E333-20F1-1A37-1DC4121C7449}"/>
               </a:ext>
             </a:extLst>
           </p:cNvPr>
@@ -1933,7 +1933,7 @@
           <p:cNvPr id="3" name="日期占位符 2">
             <a:extLst>
               <a:ext uri="{FF2B5EF4-FFF2-40B4-BE49-F238E27FC236}">
-                <a16:creationId xmlns:a16="http://schemas.microsoft.com/office/drawing/2014/main" id="{332E418F-F6E4-8CF0-69EC-6BE43B1A2BFB}"/>
+                <a16:creationId xmlns:a16="http://schemas.microsoft.com/office/drawing/2014/main" id="{1D877A58-D9B9-B59A-11E0-1DEBEC51221D}"/>
               </a:ext>
             </a:extLst>
           </p:cNvPr>
@@ -1949,7 +1949,7 @@
           <a:bodyPr/>
           <a:lstStyle/>
           <a:p>
-            <a:fld id="{6B23B048-8852-4881-8C92-E08879ED63D3}" type="datetimeFigureOut">
+            <a:fld id="{EDA9EE1A-FB1E-43D2-96D6-E64FBEC833CB}" type="datetimeFigureOut">
               <a:rPr lang="zh-CN" altLang="en-US" smtClean="0"/>
               <a:t>2024/3/10</a:t>
             </a:fld>
@@ -1962,7 +1962,7 @@
           <p:cNvPr id="4" name="页脚占位符 3">
             <a:extLst>
               <a:ext uri="{FF2B5EF4-FFF2-40B4-BE49-F238E27FC236}">
-                <a16:creationId xmlns:a16="http://schemas.microsoft.com/office/drawing/2014/main" id="{C338536F-8B00-B546-4EF3-F57B830BDBE8}"/>
+                <a16:creationId xmlns:a16="http://schemas.microsoft.com/office/drawing/2014/main" id="{B8CDABB1-6105-38E3-B859-2F19A9B6A170}"/>
               </a:ext>
             </a:extLst>
           </p:cNvPr>
@@ -1987,7 +1987,7 @@
           <p:cNvPr id="5" name="灯片编号占位符 4">
             <a:extLst>
               <a:ext uri="{FF2B5EF4-FFF2-40B4-BE49-F238E27FC236}">
-                <a16:creationId xmlns:a16="http://schemas.microsoft.com/office/drawing/2014/main" id="{C0FAEC02-36C1-F9C4-0A3B-56E0C786B341}"/>
+                <a16:creationId xmlns:a16="http://schemas.microsoft.com/office/drawing/2014/main" id="{3AB6351D-2182-EE7C-D0D3-A35E6E9992B7}"/>
               </a:ext>
             </a:extLst>
           </p:cNvPr>
@@ -2003,7 +2003,7 @@
           <a:bodyPr/>
           <a:lstStyle/>
           <a:p>
-            <a:fld id="{87BBF662-CDE1-4E73-B4B2-C5E1E206011C}" type="slidenum">
+            <a:fld id="{0290D56D-67B9-4ADD-A5AE-305514E054A3}" type="slidenum">
               <a:rPr lang="zh-CN" altLang="en-US" smtClean="0"/>
               <a:t>‹#›</a:t>
             </a:fld>
@@ -2014,7 +2014,7 @@
     </p:spTree>
     <p:extLst>
       <p:ext uri="{BB962C8B-B14F-4D97-AF65-F5344CB8AC3E}">
-        <p14:creationId xmlns:p14="http://schemas.microsoft.com/office/powerpoint/2010/main" val="50638910"/>
+        <p14:creationId xmlns:p14="http://schemas.microsoft.com/office/powerpoint/2010/main" val="4211793708"/>
       </p:ext>
     </p:extLst>
   </p:cSld>
@@ -2046,7 +2046,7 @@
           <p:cNvPr id="2" name="日期占位符 1">
             <a:extLst>
               <a:ext uri="{FF2B5EF4-FFF2-40B4-BE49-F238E27FC236}">
-                <a16:creationId xmlns:a16="http://schemas.microsoft.com/office/drawing/2014/main" id="{D6DF3AEF-EAD0-859B-02F4-236FAB6502D3}"/>
+                <a16:creationId xmlns:a16="http://schemas.microsoft.com/office/drawing/2014/main" id="{42A7E62C-0BCF-409D-F140-91146B29C668}"/>
               </a:ext>
             </a:extLst>
           </p:cNvPr>
@@ -2062,7 +2062,7 @@
           <a:bodyPr/>
           <a:lstStyle/>
           <a:p>
-            <a:fld id="{6B23B048-8852-4881-8C92-E08879ED63D3}" type="datetimeFigureOut">
+            <a:fld id="{EDA9EE1A-FB1E-43D2-96D6-E64FBEC833CB}" type="datetimeFigureOut">
               <a:rPr lang="zh-CN" altLang="en-US" smtClean="0"/>
               <a:t>2024/3/10</a:t>
             </a:fld>
@@ -2075,7 +2075,7 @@
           <p:cNvPr id="3" name="页脚占位符 2">
             <a:extLst>
               <a:ext uri="{FF2B5EF4-FFF2-40B4-BE49-F238E27FC236}">
-                <a16:creationId xmlns:a16="http://schemas.microsoft.com/office/drawing/2014/main" id="{6CFCF59C-8B87-C63F-6400-10ACF5F28474}"/>
+                <a16:creationId xmlns:a16="http://schemas.microsoft.com/office/drawing/2014/main" id="{B04801F0-61BE-7EED-8815-D91BDCC2BE4D}"/>
               </a:ext>
             </a:extLst>
           </p:cNvPr>
@@ -2100,7 +2100,7 @@
           <p:cNvPr id="4" name="灯片编号占位符 3">
             <a:extLst>
               <a:ext uri="{FF2B5EF4-FFF2-40B4-BE49-F238E27FC236}">
-                <a16:creationId xmlns:a16="http://schemas.microsoft.com/office/drawing/2014/main" id="{39451F3B-EDCA-4B2E-455F-8E25E9A2E79E}"/>
+                <a16:creationId xmlns:a16="http://schemas.microsoft.com/office/drawing/2014/main" id="{FC31FE7D-0B7C-019F-E59E-CC70F97D3646}"/>
               </a:ext>
             </a:extLst>
           </p:cNvPr>
@@ -2116,7 +2116,7 @@
           <a:bodyPr/>
           <a:lstStyle/>
           <a:p>
-            <a:fld id="{87BBF662-CDE1-4E73-B4B2-C5E1E206011C}" type="slidenum">
+            <a:fld id="{0290D56D-67B9-4ADD-A5AE-305514E054A3}" type="slidenum">
               <a:rPr lang="zh-CN" altLang="en-US" smtClean="0"/>
               <a:t>‹#›</a:t>
             </a:fld>
@@ -2127,7 +2127,7 @@
     </p:spTree>
     <p:extLst>
       <p:ext uri="{BB962C8B-B14F-4D97-AF65-F5344CB8AC3E}">
-        <p14:creationId xmlns:p14="http://schemas.microsoft.com/office/powerpoint/2010/main" val="2864145581"/>
+        <p14:creationId xmlns:p14="http://schemas.microsoft.com/office/powerpoint/2010/main" val="736767241"/>
       </p:ext>
     </p:extLst>
   </p:cSld>
@@ -2159,7 +2159,7 @@
           <p:cNvPr id="2" name="标题 1">
             <a:extLst>
               <a:ext uri="{FF2B5EF4-FFF2-40B4-BE49-F238E27FC236}">
-                <a16:creationId xmlns:a16="http://schemas.microsoft.com/office/drawing/2014/main" id="{3E839053-9CDA-1FAF-CD6A-EBC5FF43E7D1}"/>
+                <a16:creationId xmlns:a16="http://schemas.microsoft.com/office/drawing/2014/main" id="{D5C0FD1A-B740-8058-7AD1-21C9CEDEFD1E}"/>
               </a:ext>
             </a:extLst>
           </p:cNvPr>
@@ -2196,7 +2196,7 @@
           <p:cNvPr id="3" name="内容占位符 2">
             <a:extLst>
               <a:ext uri="{FF2B5EF4-FFF2-40B4-BE49-F238E27FC236}">
-                <a16:creationId xmlns:a16="http://schemas.microsoft.com/office/drawing/2014/main" id="{9B9C9C0D-4C79-EAB7-FF6D-88FC96C8A120}"/>
+                <a16:creationId xmlns:a16="http://schemas.microsoft.com/office/drawing/2014/main" id="{FD8FA66E-996D-F934-0CB2-08FDE926A577}"/>
               </a:ext>
             </a:extLst>
           </p:cNvPr>
@@ -2286,7 +2286,7 @@
           <p:cNvPr id="4" name="文本占位符 3">
             <a:extLst>
               <a:ext uri="{FF2B5EF4-FFF2-40B4-BE49-F238E27FC236}">
-                <a16:creationId xmlns:a16="http://schemas.microsoft.com/office/drawing/2014/main" id="{C18B24D7-B289-04E6-06FB-1345B612A6DA}"/>
+                <a16:creationId xmlns:a16="http://schemas.microsoft.com/office/drawing/2014/main" id="{D5C0BB58-4C3A-5088-F9CC-20EDAEDBCDFD}"/>
               </a:ext>
             </a:extLst>
           </p:cNvPr>
@@ -2357,7 +2357,7 @@
           <p:cNvPr id="5" name="日期占位符 4">
             <a:extLst>
               <a:ext uri="{FF2B5EF4-FFF2-40B4-BE49-F238E27FC236}">
-                <a16:creationId xmlns:a16="http://schemas.microsoft.com/office/drawing/2014/main" id="{5D75F3A0-069B-90BB-C6D0-00D91428B859}"/>
+                <a16:creationId xmlns:a16="http://schemas.microsoft.com/office/drawing/2014/main" id="{C7B497C8-015E-11DE-9BB5-9FD660411599}"/>
               </a:ext>
             </a:extLst>
           </p:cNvPr>
@@ -2373,7 +2373,7 @@
           <a:bodyPr/>
           <a:lstStyle/>
           <a:p>
-            <a:fld id="{6B23B048-8852-4881-8C92-E08879ED63D3}" type="datetimeFigureOut">
+            <a:fld id="{EDA9EE1A-FB1E-43D2-96D6-E64FBEC833CB}" type="datetimeFigureOut">
               <a:rPr lang="zh-CN" altLang="en-US" smtClean="0"/>
               <a:t>2024/3/10</a:t>
             </a:fld>
@@ -2386,7 +2386,7 @@
           <p:cNvPr id="6" name="页脚占位符 5">
             <a:extLst>
               <a:ext uri="{FF2B5EF4-FFF2-40B4-BE49-F238E27FC236}">
-                <a16:creationId xmlns:a16="http://schemas.microsoft.com/office/drawing/2014/main" id="{C951B932-E4E7-60BC-B23E-D056AABCBD85}"/>
+                <a16:creationId xmlns:a16="http://schemas.microsoft.com/office/drawing/2014/main" id="{8923C39E-4EF9-9527-AF08-509CA749CF78}"/>
               </a:ext>
             </a:extLst>
           </p:cNvPr>
@@ -2411,7 +2411,7 @@
           <p:cNvPr id="7" name="灯片编号占位符 6">
             <a:extLst>
               <a:ext uri="{FF2B5EF4-FFF2-40B4-BE49-F238E27FC236}">
-                <a16:creationId xmlns:a16="http://schemas.microsoft.com/office/drawing/2014/main" id="{DBA79570-C40E-5A6E-FF1C-404823355A9A}"/>
+                <a16:creationId xmlns:a16="http://schemas.microsoft.com/office/drawing/2014/main" id="{13F3E366-58BD-AEFA-B713-BE9EA7C29874}"/>
               </a:ext>
             </a:extLst>
           </p:cNvPr>
@@ -2427,7 +2427,7 @@
           <a:bodyPr/>
           <a:lstStyle/>
           <a:p>
-            <a:fld id="{87BBF662-CDE1-4E73-B4B2-C5E1E206011C}" type="slidenum">
+            <a:fld id="{0290D56D-67B9-4ADD-A5AE-305514E054A3}" type="slidenum">
               <a:rPr lang="zh-CN" altLang="en-US" smtClean="0"/>
               <a:t>‹#›</a:t>
             </a:fld>
@@ -2438,7 +2438,7 @@
     </p:spTree>
     <p:extLst>
       <p:ext uri="{BB962C8B-B14F-4D97-AF65-F5344CB8AC3E}">
-        <p14:creationId xmlns:p14="http://schemas.microsoft.com/office/powerpoint/2010/main" val="3564437043"/>
+        <p14:creationId xmlns:p14="http://schemas.microsoft.com/office/powerpoint/2010/main" val="2552054550"/>
       </p:ext>
     </p:extLst>
   </p:cSld>
@@ -2470,7 +2470,7 @@
           <p:cNvPr id="2" name="标题 1">
             <a:extLst>
               <a:ext uri="{FF2B5EF4-FFF2-40B4-BE49-F238E27FC236}">
-                <a16:creationId xmlns:a16="http://schemas.microsoft.com/office/drawing/2014/main" id="{11238C56-FD10-B55D-981A-E252E1246F39}"/>
+                <a16:creationId xmlns:a16="http://schemas.microsoft.com/office/drawing/2014/main" id="{1AB51F10-EE08-C6FE-C3D8-CF69357F8174}"/>
               </a:ext>
             </a:extLst>
           </p:cNvPr>
@@ -2507,7 +2507,7 @@
           <p:cNvPr id="3" name="图片占位符 2">
             <a:extLst>
               <a:ext uri="{FF2B5EF4-FFF2-40B4-BE49-F238E27FC236}">
-                <a16:creationId xmlns:a16="http://schemas.microsoft.com/office/drawing/2014/main" id="{97BD06EC-722B-1BC5-C808-D0A9F78BE27C}"/>
+                <a16:creationId xmlns:a16="http://schemas.microsoft.com/office/drawing/2014/main" id="{DFE09088-3FE7-B981-395E-25F9A43DEDA0}"/>
               </a:ext>
             </a:extLst>
           </p:cNvPr>
@@ -2574,7 +2574,7 @@
           <p:cNvPr id="4" name="文本占位符 3">
             <a:extLst>
               <a:ext uri="{FF2B5EF4-FFF2-40B4-BE49-F238E27FC236}">
-                <a16:creationId xmlns:a16="http://schemas.microsoft.com/office/drawing/2014/main" id="{81C5E345-8E45-13D6-946C-61B11304F5D1}"/>
+                <a16:creationId xmlns:a16="http://schemas.microsoft.com/office/drawing/2014/main" id="{229B7704-2E1B-6EBE-FA36-6B8E2DFBD3F3}"/>
               </a:ext>
             </a:extLst>
           </p:cNvPr>
@@ -2645,7 +2645,7 @@
           <p:cNvPr id="5" name="日期占位符 4">
             <a:extLst>
               <a:ext uri="{FF2B5EF4-FFF2-40B4-BE49-F238E27FC236}">
-                <a16:creationId xmlns:a16="http://schemas.microsoft.com/office/drawing/2014/main" id="{7C54B4AD-7519-98DB-BF80-68B5A815AA3A}"/>
+                <a16:creationId xmlns:a16="http://schemas.microsoft.com/office/drawing/2014/main" id="{D5CFDE96-D4DF-2FAF-DDB8-3DC4D5230257}"/>
               </a:ext>
             </a:extLst>
           </p:cNvPr>
@@ -2661,7 +2661,7 @@
           <a:bodyPr/>
           <a:lstStyle/>
           <a:p>
-            <a:fld id="{6B23B048-8852-4881-8C92-E08879ED63D3}" type="datetimeFigureOut">
+            <a:fld id="{EDA9EE1A-FB1E-43D2-96D6-E64FBEC833CB}" type="datetimeFigureOut">
               <a:rPr lang="zh-CN" altLang="en-US" smtClean="0"/>
               <a:t>2024/3/10</a:t>
             </a:fld>
@@ -2674,7 +2674,7 @@
           <p:cNvPr id="6" name="页脚占位符 5">
             <a:extLst>
               <a:ext uri="{FF2B5EF4-FFF2-40B4-BE49-F238E27FC236}">
-                <a16:creationId xmlns:a16="http://schemas.microsoft.com/office/drawing/2014/main" id="{75AA2140-9AB6-47B8-2D3D-8A9DB5730628}"/>
+                <a16:creationId xmlns:a16="http://schemas.microsoft.com/office/drawing/2014/main" id="{2D7DF3BB-9AF1-FCFD-37B3-D95B02EF31F1}"/>
               </a:ext>
             </a:extLst>
           </p:cNvPr>
@@ -2699,7 +2699,7 @@
           <p:cNvPr id="7" name="灯片编号占位符 6">
             <a:extLst>
               <a:ext uri="{FF2B5EF4-FFF2-40B4-BE49-F238E27FC236}">
-                <a16:creationId xmlns:a16="http://schemas.microsoft.com/office/drawing/2014/main" id="{112F07A4-86D3-5F88-C149-67DADEF11F47}"/>
+                <a16:creationId xmlns:a16="http://schemas.microsoft.com/office/drawing/2014/main" id="{40221BE7-ABE2-0DEE-2435-9FB880DA771B}"/>
               </a:ext>
             </a:extLst>
           </p:cNvPr>
@@ -2715,7 +2715,7 @@
           <a:bodyPr/>
           <a:lstStyle/>
           <a:p>
-            <a:fld id="{87BBF662-CDE1-4E73-B4B2-C5E1E206011C}" type="slidenum">
+            <a:fld id="{0290D56D-67B9-4ADD-A5AE-305514E054A3}" type="slidenum">
               <a:rPr lang="zh-CN" altLang="en-US" smtClean="0"/>
               <a:t>‹#›</a:t>
             </a:fld>
@@ -2726,7 +2726,7 @@
     </p:spTree>
     <p:extLst>
       <p:ext uri="{BB962C8B-B14F-4D97-AF65-F5344CB8AC3E}">
-        <p14:creationId xmlns:p14="http://schemas.microsoft.com/office/powerpoint/2010/main" val="2173276467"/>
+        <p14:creationId xmlns:p14="http://schemas.microsoft.com/office/powerpoint/2010/main" val="686074593"/>
       </p:ext>
     </p:extLst>
   </p:cSld>
@@ -2763,7 +2763,7 @@
           <p:cNvPr id="2" name="标题占位符 1">
             <a:extLst>
               <a:ext uri="{FF2B5EF4-FFF2-40B4-BE49-F238E27FC236}">
-                <a16:creationId xmlns:a16="http://schemas.microsoft.com/office/drawing/2014/main" id="{20941DFB-6E51-7927-9B4B-5A062B01818A}"/>
+                <a16:creationId xmlns:a16="http://schemas.microsoft.com/office/drawing/2014/main" id="{02DE9F35-6BA5-98A5-6D91-B19D3D920FA6}"/>
               </a:ext>
             </a:extLst>
           </p:cNvPr>
@@ -2801,7 +2801,7 @@
           <p:cNvPr id="3" name="文本占位符 2">
             <a:extLst>
               <a:ext uri="{FF2B5EF4-FFF2-40B4-BE49-F238E27FC236}">
-                <a16:creationId xmlns:a16="http://schemas.microsoft.com/office/drawing/2014/main" id="{E95A6813-B96E-7705-7D26-85DBDF2CAEAC}"/>
+                <a16:creationId xmlns:a16="http://schemas.microsoft.com/office/drawing/2014/main" id="{90A00CCE-61DC-169C-3E09-93636B8265C2}"/>
               </a:ext>
             </a:extLst>
           </p:cNvPr>
@@ -2868,7 +2868,7 @@
           <p:cNvPr id="4" name="日期占位符 3">
             <a:extLst>
               <a:ext uri="{FF2B5EF4-FFF2-40B4-BE49-F238E27FC236}">
-                <a16:creationId xmlns:a16="http://schemas.microsoft.com/office/drawing/2014/main" id="{FA141D11-18CA-7431-F834-4F52B7BD9A56}"/>
+                <a16:creationId xmlns:a16="http://schemas.microsoft.com/office/drawing/2014/main" id="{9DFFBDB9-DDDA-4FEA-D668-3C6E0A1BF172}"/>
               </a:ext>
             </a:extLst>
           </p:cNvPr>
@@ -2902,7 +2902,7 @@
             </a:lvl1pPr>
           </a:lstStyle>
           <a:p>
-            <a:fld id="{6B23B048-8852-4881-8C92-E08879ED63D3}" type="datetimeFigureOut">
+            <a:fld id="{EDA9EE1A-FB1E-43D2-96D6-E64FBEC833CB}" type="datetimeFigureOut">
               <a:rPr lang="zh-CN" altLang="en-US" smtClean="0"/>
               <a:t>2024/3/10</a:t>
             </a:fld>
@@ -2915,7 +2915,7 @@
           <p:cNvPr id="5" name="页脚占位符 4">
             <a:extLst>
               <a:ext uri="{FF2B5EF4-FFF2-40B4-BE49-F238E27FC236}">
-                <a16:creationId xmlns:a16="http://schemas.microsoft.com/office/drawing/2014/main" id="{C2335F4B-D194-8C53-C50A-EE0963AE63CE}"/>
+                <a16:creationId xmlns:a16="http://schemas.microsoft.com/office/drawing/2014/main" id="{DD7B8365-1D19-0F7A-D019-E0F211EE243B}"/>
               </a:ext>
             </a:extLst>
           </p:cNvPr>
@@ -2958,7 +2958,7 @@
           <p:cNvPr id="6" name="灯片编号占位符 5">
             <a:extLst>
               <a:ext uri="{FF2B5EF4-FFF2-40B4-BE49-F238E27FC236}">
-                <a16:creationId xmlns:a16="http://schemas.microsoft.com/office/drawing/2014/main" id="{A0F6CE1E-8EE4-829B-E5A7-8AC4A2D10296}"/>
+                <a16:creationId xmlns:a16="http://schemas.microsoft.com/office/drawing/2014/main" id="{01E1C404-17FE-23F7-E178-18B3FFC89045}"/>
               </a:ext>
             </a:extLst>
           </p:cNvPr>
@@ -2992,7 +2992,7 @@
             </a:lvl1pPr>
           </a:lstStyle>
           <a:p>
-            <a:fld id="{87BBF662-CDE1-4E73-B4B2-C5E1E206011C}" type="slidenum">
+            <a:fld id="{0290D56D-67B9-4ADD-A5AE-305514E054A3}" type="slidenum">
               <a:rPr lang="zh-CN" altLang="en-US" smtClean="0"/>
               <a:t>‹#›</a:t>
             </a:fld>
@@ -3003,7 +3003,7 @@
     </p:spTree>
     <p:extLst>
       <p:ext uri="{BB962C8B-B14F-4D97-AF65-F5344CB8AC3E}">
-        <p14:creationId xmlns:p14="http://schemas.microsoft.com/office/powerpoint/2010/main" val="2086332176"/>
+        <p14:creationId xmlns:p14="http://schemas.microsoft.com/office/powerpoint/2010/main" val="3800067108"/>
       </p:ext>
     </p:extLst>
   </p:cSld>
